--- a/TFM_FFD_Slides3.pptx
+++ b/TFM_FFD_Slides3.pptx
@@ -43,6 +43,8 @@
     <p:sldId id="411" r:id="rId36"/>
     <p:sldId id="412" r:id="rId37"/>
     <p:sldId id="413" r:id="rId38"/>
+    <p:sldId id="414" r:id="rId39"/>
+    <p:sldId id="415" r:id="rId40"/>
   </p:sldIdLst>
   <p:sldSz cx="12192000" cy="6858000"/>
   <p:notesSz cx="6858000" cy="9144000"/>
@@ -142,6 +144,1693 @@
     </a:lvl9pPr>
   </p:defaultTextStyle>
 </p:presentation>
+</file>
+
+<file path=ppt/charts/chart1.xml><?xml version="1.0" encoding="utf-8"?>
+<c:chartSpace xmlns:c="http://schemas.openxmlformats.org/drawingml/2006/chart" xmlns:a="http://schemas.openxmlformats.org/drawingml/2006/main" xmlns:r="http://schemas.openxmlformats.org/officeDocument/2006/relationships">
+  <c:date1904 val="0"/>
+  <c:lang val="zh-CN"/>
+  <c:roundedCorners val="0"/>
+  <mc:AlternateContent xmlns:mc="http://schemas.openxmlformats.org/markup-compatibility/2006">
+    <mc:Choice xmlns:c14="http://schemas.microsoft.com/office/drawing/2007/8/2/chart" Requires="c14">
+      <c14:style val="102"/>
+    </mc:Choice>
+    <mc:Fallback>
+      <c:style val="2"/>
+    </mc:Fallback>
+  </mc:AlternateContent>
+  <c:chart>
+    <c:autoTitleDeleted val="1"/>
+    <c:plotArea>
+      <c:layout/>
+      <c:barChart>
+        <c:barDir val="col"/>
+        <c:grouping val="clustered"/>
+        <c:varyColors val="0"/>
+        <c:ser>
+          <c:idx val="4"/>
+          <c:order val="4"/>
+          <c:tx>
+            <c:strRef>
+              <c:f>[Book1.xlsx]Sheet1!$A$50</c:f>
+              <c:strCache>
+                <c:ptCount val="1"/>
+                <c:pt idx="0">
+                  <c:v>MULDIV1 Resource</c:v>
+                </c:pt>
+              </c:strCache>
+            </c:strRef>
+          </c:tx>
+          <c:spPr>
+            <a:solidFill>
+              <a:srgbClr val="4472C4"/>
+            </a:solidFill>
+            <a:ln>
+              <a:noFill/>
+            </a:ln>
+            <a:effectLst/>
+          </c:spPr>
+          <c:invertIfNegative val="0"/>
+          <c:dLbls>
+            <c:delete val="1"/>
+          </c:dLbls>
+          <c:cat>
+            <c:strRef>
+              <c:f>[Book1.xlsx]Sheet1!$B$45:$I$45</c:f>
+              <c:strCache>
+                <c:ptCount val="8"/>
+                <c:pt idx="0">
+                  <c:v>T</c:v>
+                </c:pt>
+                <c:pt idx="1">
+                  <c:v>B</c:v>
+                </c:pt>
+                <c:pt idx="2">
+                  <c:v>D</c:v>
+                </c:pt>
+                <c:pt idx="3">
+                  <c:v>QS</c:v>
+                </c:pt>
+                <c:pt idx="4">
+                  <c:v>EQS</c:v>
+                </c:pt>
+                <c:pt idx="5">
+                  <c:v>DEQS</c:v>
+                </c:pt>
+                <c:pt idx="6">
+                  <c:v>SE</c:v>
+                </c:pt>
+                <c:pt idx="7">
+                  <c:v>DSE</c:v>
+                </c:pt>
+              </c:strCache>
+            </c:strRef>
+          </c:cat>
+          <c:val>
+            <c:numRef>
+              <c:f>[Book1.xlsx]Sheet1!$B$50:$I$50</c:f>
+              <c:numCache>
+                <c:formatCode>General</c:formatCode>
+                <c:ptCount val="8"/>
+                <c:pt idx="0">
+                  <c:v>725</c:v>
+                </c:pt>
+                <c:pt idx="1">
+                  <c:v>821</c:v>
+                </c:pt>
+                <c:pt idx="2">
+                  <c:v>941</c:v>
+                </c:pt>
+                <c:pt idx="3">
+                  <c:v>978</c:v>
+                </c:pt>
+                <c:pt idx="4" c:formatCode="#,##0">
+                  <c:v>1121</c:v>
+                </c:pt>
+                <c:pt idx="5" c:formatCode="#,##0">
+                  <c:v>1243</c:v>
+                </c:pt>
+                <c:pt idx="6" c:formatCode="#,##0">
+                  <c:v>1432</c:v>
+                </c:pt>
+                <c:pt idx="7" c:formatCode="#,##0">
+                  <c:v>1599</c:v>
+                </c:pt>
+              </c:numCache>
+            </c:numRef>
+          </c:val>
+        </c:ser>
+        <c:ser>
+          <c:idx val="5"/>
+          <c:order val="5"/>
+          <c:tx>
+            <c:strRef>
+              <c:f>[Book1.xlsx]Sheet1!$A$51</c:f>
+              <c:strCache>
+                <c:ptCount val="1"/>
+                <c:pt idx="0">
+                  <c:v>MULDIV2 Resource</c:v>
+                </c:pt>
+              </c:strCache>
+            </c:strRef>
+          </c:tx>
+          <c:spPr>
+            <a:solidFill>
+              <a:srgbClr val="70AD47"/>
+            </a:solidFill>
+            <a:ln>
+              <a:noFill/>
+            </a:ln>
+            <a:effectLst/>
+          </c:spPr>
+          <c:invertIfNegative val="0"/>
+          <c:dLbls>
+            <c:delete val="1"/>
+          </c:dLbls>
+          <c:cat>
+            <c:strRef>
+              <c:f>[Book1.xlsx]Sheet1!$B$45:$I$45</c:f>
+              <c:strCache>
+                <c:ptCount val="8"/>
+                <c:pt idx="0">
+                  <c:v>T</c:v>
+                </c:pt>
+                <c:pt idx="1">
+                  <c:v>B</c:v>
+                </c:pt>
+                <c:pt idx="2">
+                  <c:v>D</c:v>
+                </c:pt>
+                <c:pt idx="3">
+                  <c:v>QS</c:v>
+                </c:pt>
+                <c:pt idx="4">
+                  <c:v>EQS</c:v>
+                </c:pt>
+                <c:pt idx="5">
+                  <c:v>DEQS</c:v>
+                </c:pt>
+                <c:pt idx="6">
+                  <c:v>SE</c:v>
+                </c:pt>
+                <c:pt idx="7">
+                  <c:v>DSE</c:v>
+                </c:pt>
+              </c:strCache>
+            </c:strRef>
+          </c:cat>
+          <c:val>
+            <c:numRef>
+              <c:f>[Book1.xlsx]Sheet1!$B$51:$I$51</c:f>
+              <c:numCache>
+                <c:formatCode>General</c:formatCode>
+                <c:ptCount val="8"/>
+                <c:pt idx="0">
+                  <c:v>660</c:v>
+                </c:pt>
+                <c:pt idx="1">
+                  <c:v>756</c:v>
+                </c:pt>
+                <c:pt idx="2">
+                  <c:v>868</c:v>
+                </c:pt>
+                <c:pt idx="3">
+                  <c:v>949</c:v>
+                </c:pt>
+                <c:pt idx="4" c:formatCode="#,##0">
+                  <c:v>1089</c:v>
+                </c:pt>
+                <c:pt idx="5" c:formatCode="#,##0">
+                  <c:v>1213</c:v>
+                </c:pt>
+                <c:pt idx="6" c:formatCode="#,##0">
+                  <c:v>1392</c:v>
+                </c:pt>
+                <c:pt idx="7" c:formatCode="#,##0">
+                  <c:v>1567</c:v>
+                </c:pt>
+              </c:numCache>
+            </c:numRef>
+          </c:val>
+        </c:ser>
+        <c:dLbls>
+          <c:showLegendKey val="0"/>
+          <c:showVal val="0"/>
+          <c:showCatName val="0"/>
+          <c:showSerName val="0"/>
+          <c:showPercent val="0"/>
+          <c:showBubbleSize val="0"/>
+        </c:dLbls>
+        <c:gapWidth val="219"/>
+        <c:overlap val="-27"/>
+        <c:axId val="212042096"/>
+        <c:axId val="972434261"/>
+      </c:barChart>
+      <c:lineChart>
+        <c:grouping val="standard"/>
+        <c:varyColors val="0"/>
+        <c:ser>
+          <c:idx val="0"/>
+          <c:order val="0"/>
+          <c:tx>
+            <c:strRef>
+              <c:f>[Book1.xlsx]Sheet1!$A$46</c:f>
+              <c:strCache>
+                <c:ptCount val="1"/>
+                <c:pt idx="0">
+                  <c:v>MULDIV1 85ºC</c:v>
+                </c:pt>
+              </c:strCache>
+            </c:strRef>
+          </c:tx>
+          <c:spPr>
+            <a:ln w="28575" cap="rnd">
+              <a:solidFill>
+                <a:srgbClr val="5B9BD5"/>
+              </a:solidFill>
+              <a:round/>
+            </a:ln>
+            <a:effectLst/>
+          </c:spPr>
+          <c:marker>
+            <c:symbol val="circle"/>
+            <c:size val="5"/>
+            <c:spPr>
+              <a:solidFill>
+                <a:srgbClr val="5B9BD5"/>
+              </a:solidFill>
+              <a:ln w="9525">
+                <a:solidFill>
+                  <a:srgbClr val="5B9BD5"/>
+                </a:solidFill>
+              </a:ln>
+              <a:effectLst/>
+            </c:spPr>
+          </c:marker>
+          <c:dLbls>
+            <c:delete val="1"/>
+          </c:dLbls>
+          <c:cat>
+            <c:strRef>
+              <c:f>[Book1.xlsx]Sheet1!$B$45:$I$45</c:f>
+              <c:strCache>
+                <c:ptCount val="8"/>
+                <c:pt idx="0">
+                  <c:v>T</c:v>
+                </c:pt>
+                <c:pt idx="1">
+                  <c:v>B</c:v>
+                </c:pt>
+                <c:pt idx="2">
+                  <c:v>D</c:v>
+                </c:pt>
+                <c:pt idx="3">
+                  <c:v>QS</c:v>
+                </c:pt>
+                <c:pt idx="4">
+                  <c:v>EQS</c:v>
+                </c:pt>
+                <c:pt idx="5">
+                  <c:v>DEQS</c:v>
+                </c:pt>
+                <c:pt idx="6">
+                  <c:v>SE</c:v>
+                </c:pt>
+                <c:pt idx="7">
+                  <c:v>DSE</c:v>
+                </c:pt>
+              </c:strCache>
+            </c:strRef>
+          </c:cat>
+          <c:val>
+            <c:numRef>
+              <c:f>[Book1.xlsx]Sheet1!$B$46:$I$46</c:f>
+              <c:numCache>
+                <c:formatCode>General</c:formatCode>
+                <c:ptCount val="8"/>
+                <c:pt idx="0">
+                  <c:v>47.4</c:v>
+                </c:pt>
+                <c:pt idx="1">
+                  <c:v>46.2</c:v>
+                </c:pt>
+                <c:pt idx="2">
+                  <c:v>45.8</c:v>
+                </c:pt>
+                <c:pt idx="3">
+                  <c:v>46.7</c:v>
+                </c:pt>
+                <c:pt idx="4">
+                  <c:v>45.9</c:v>
+                </c:pt>
+                <c:pt idx="5">
+                  <c:v>45.3</c:v>
+                </c:pt>
+                <c:pt idx="6">
+                  <c:v>45.7</c:v>
+                </c:pt>
+                <c:pt idx="7">
+                  <c:v>43.7</c:v>
+                </c:pt>
+              </c:numCache>
+            </c:numRef>
+          </c:val>
+          <c:smooth val="0"/>
+        </c:ser>
+        <c:ser>
+          <c:idx val="1"/>
+          <c:order val="1"/>
+          <c:tx>
+            <c:strRef>
+              <c:f>[Book1.xlsx]Sheet1!$A$47</c:f>
+              <c:strCache>
+                <c:ptCount val="1"/>
+                <c:pt idx="0">
+                  <c:v>MULDIV1 0ºC</c:v>
+                </c:pt>
+              </c:strCache>
+            </c:strRef>
+          </c:tx>
+          <c:spPr>
+            <a:ln w="28575" cap="rnd">
+              <a:solidFill>
+                <a:srgbClr val="ED7D31"/>
+              </a:solidFill>
+              <a:round/>
+            </a:ln>
+            <a:effectLst/>
+          </c:spPr>
+          <c:marker>
+            <c:symbol val="circle"/>
+            <c:size val="5"/>
+            <c:spPr>
+              <a:solidFill>
+                <a:srgbClr val="ED7D31"/>
+              </a:solidFill>
+              <a:ln w="9525">
+                <a:solidFill>
+                  <a:srgbClr val="ED7D31"/>
+                </a:solidFill>
+              </a:ln>
+              <a:effectLst/>
+            </c:spPr>
+          </c:marker>
+          <c:dLbls>
+            <c:delete val="1"/>
+          </c:dLbls>
+          <c:cat>
+            <c:strRef>
+              <c:f>[Book1.xlsx]Sheet1!$B$45:$I$45</c:f>
+              <c:strCache>
+                <c:ptCount val="8"/>
+                <c:pt idx="0">
+                  <c:v>T</c:v>
+                </c:pt>
+                <c:pt idx="1">
+                  <c:v>B</c:v>
+                </c:pt>
+                <c:pt idx="2">
+                  <c:v>D</c:v>
+                </c:pt>
+                <c:pt idx="3">
+                  <c:v>QS</c:v>
+                </c:pt>
+                <c:pt idx="4">
+                  <c:v>EQS</c:v>
+                </c:pt>
+                <c:pt idx="5">
+                  <c:v>DEQS</c:v>
+                </c:pt>
+                <c:pt idx="6">
+                  <c:v>SE</c:v>
+                </c:pt>
+                <c:pt idx="7">
+                  <c:v>DSE</c:v>
+                </c:pt>
+              </c:strCache>
+            </c:strRef>
+          </c:cat>
+          <c:val>
+            <c:numRef>
+              <c:f>[Book1.xlsx]Sheet1!$B$47:$I$47</c:f>
+              <c:numCache>
+                <c:formatCode>General</c:formatCode>
+                <c:ptCount val="8"/>
+                <c:pt idx="0">
+                  <c:v>52.2</c:v>
+                </c:pt>
+                <c:pt idx="1">
+                  <c:v>51.2</c:v>
+                </c:pt>
+                <c:pt idx="2">
+                  <c:v>50.7</c:v>
+                </c:pt>
+                <c:pt idx="3">
+                  <c:v>51.6</c:v>
+                </c:pt>
+                <c:pt idx="4">
+                  <c:v>50.8</c:v>
+                </c:pt>
+                <c:pt idx="5">
+                  <c:v>50.1</c:v>
+                </c:pt>
+                <c:pt idx="6">
+                  <c:v>51.1</c:v>
+                </c:pt>
+                <c:pt idx="7">
+                  <c:v>48.9</c:v>
+                </c:pt>
+              </c:numCache>
+            </c:numRef>
+          </c:val>
+          <c:smooth val="0"/>
+        </c:ser>
+        <c:ser>
+          <c:idx val="2"/>
+          <c:order val="2"/>
+          <c:tx>
+            <c:strRef>
+              <c:f>[Book1.xlsx]Sheet1!$A$48</c:f>
+              <c:strCache>
+                <c:ptCount val="1"/>
+                <c:pt idx="0">
+                  <c:v>MULDIV2 0ºC</c:v>
+                </c:pt>
+              </c:strCache>
+            </c:strRef>
+          </c:tx>
+          <c:spPr>
+            <a:ln w="28575" cap="rnd">
+              <a:solidFill>
+                <a:srgbClr val="A5A5A5"/>
+              </a:solidFill>
+              <a:round/>
+            </a:ln>
+            <a:effectLst/>
+          </c:spPr>
+          <c:marker>
+            <c:symbol val="circle"/>
+            <c:size val="5"/>
+            <c:spPr>
+              <a:solidFill>
+                <a:srgbClr val="A5A5A5"/>
+              </a:solidFill>
+              <a:ln w="9525">
+                <a:solidFill>
+                  <a:srgbClr val="A5A5A5"/>
+                </a:solidFill>
+              </a:ln>
+              <a:effectLst/>
+            </c:spPr>
+          </c:marker>
+          <c:dLbls>
+            <c:delete val="1"/>
+          </c:dLbls>
+          <c:cat>
+            <c:strRef>
+              <c:f>[Book1.xlsx]Sheet1!$B$45:$I$45</c:f>
+              <c:strCache>
+                <c:ptCount val="8"/>
+                <c:pt idx="0">
+                  <c:v>T</c:v>
+                </c:pt>
+                <c:pt idx="1">
+                  <c:v>B</c:v>
+                </c:pt>
+                <c:pt idx="2">
+                  <c:v>D</c:v>
+                </c:pt>
+                <c:pt idx="3">
+                  <c:v>QS</c:v>
+                </c:pt>
+                <c:pt idx="4">
+                  <c:v>EQS</c:v>
+                </c:pt>
+                <c:pt idx="5">
+                  <c:v>DEQS</c:v>
+                </c:pt>
+                <c:pt idx="6">
+                  <c:v>SE</c:v>
+                </c:pt>
+                <c:pt idx="7">
+                  <c:v>DSE</c:v>
+                </c:pt>
+              </c:strCache>
+            </c:strRef>
+          </c:cat>
+          <c:val>
+            <c:numRef>
+              <c:f>[Book1.xlsx]Sheet1!$B$48:$I$48</c:f>
+              <c:numCache>
+                <c:formatCode>General</c:formatCode>
+                <c:ptCount val="8"/>
+                <c:pt idx="0">
+                  <c:v>67</c:v>
+                </c:pt>
+                <c:pt idx="1">
+                  <c:v>65.3</c:v>
+                </c:pt>
+                <c:pt idx="2">
+                  <c:v>64.5</c:v>
+                </c:pt>
+                <c:pt idx="3">
+                  <c:v>64.4</c:v>
+                </c:pt>
+                <c:pt idx="4">
+                  <c:v>66.6</c:v>
+                </c:pt>
+                <c:pt idx="5">
+                  <c:v>64.4</c:v>
+                </c:pt>
+                <c:pt idx="6">
+                  <c:v>52</c:v>
+                </c:pt>
+                <c:pt idx="7">
+                  <c:v>48.7</c:v>
+                </c:pt>
+              </c:numCache>
+            </c:numRef>
+          </c:val>
+          <c:smooth val="0"/>
+        </c:ser>
+        <c:ser>
+          <c:idx val="3"/>
+          <c:order val="3"/>
+          <c:tx>
+            <c:strRef>
+              <c:f>[Book1.xlsx]Sheet1!$A$49</c:f>
+              <c:strCache>
+                <c:ptCount val="1"/>
+                <c:pt idx="0">
+                  <c:v>MULDIV2 85ºC</c:v>
+                </c:pt>
+              </c:strCache>
+            </c:strRef>
+          </c:tx>
+          <c:spPr>
+            <a:ln w="28575" cap="rnd">
+              <a:solidFill>
+                <a:srgbClr val="FFC000"/>
+              </a:solidFill>
+              <a:round/>
+            </a:ln>
+            <a:effectLst/>
+          </c:spPr>
+          <c:marker>
+            <c:symbol val="circle"/>
+            <c:size val="5"/>
+            <c:spPr>
+              <a:solidFill>
+                <a:srgbClr val="FFC000"/>
+              </a:solidFill>
+              <a:ln w="9525">
+                <a:solidFill>
+                  <a:srgbClr val="FFC000"/>
+                </a:solidFill>
+              </a:ln>
+              <a:effectLst/>
+            </c:spPr>
+          </c:marker>
+          <c:dLbls>
+            <c:delete val="1"/>
+          </c:dLbls>
+          <c:cat>
+            <c:strRef>
+              <c:f>[Book1.xlsx]Sheet1!$B$45:$I$45</c:f>
+              <c:strCache>
+                <c:ptCount val="8"/>
+                <c:pt idx="0">
+                  <c:v>T</c:v>
+                </c:pt>
+                <c:pt idx="1">
+                  <c:v>B</c:v>
+                </c:pt>
+                <c:pt idx="2">
+                  <c:v>D</c:v>
+                </c:pt>
+                <c:pt idx="3">
+                  <c:v>QS</c:v>
+                </c:pt>
+                <c:pt idx="4">
+                  <c:v>EQS</c:v>
+                </c:pt>
+                <c:pt idx="5">
+                  <c:v>DEQS</c:v>
+                </c:pt>
+                <c:pt idx="6">
+                  <c:v>SE</c:v>
+                </c:pt>
+                <c:pt idx="7">
+                  <c:v>DSE</c:v>
+                </c:pt>
+              </c:strCache>
+            </c:strRef>
+          </c:cat>
+          <c:val>
+            <c:numRef>
+              <c:f>[Book1.xlsx]Sheet1!$B$49:$I$49</c:f>
+              <c:numCache>
+                <c:formatCode>General</c:formatCode>
+                <c:ptCount val="8"/>
+                <c:pt idx="0">
+                  <c:v>61.3</c:v>
+                </c:pt>
+                <c:pt idx="1">
+                  <c:v>59.7</c:v>
+                </c:pt>
+                <c:pt idx="2">
+                  <c:v>58.7</c:v>
+                </c:pt>
+                <c:pt idx="3">
+                  <c:v>58.7</c:v>
+                </c:pt>
+                <c:pt idx="4">
+                  <c:v>60.6</c:v>
+                </c:pt>
+                <c:pt idx="5">
+                  <c:v>59.1</c:v>
+                </c:pt>
+                <c:pt idx="6">
+                  <c:v>46.8</c:v>
+                </c:pt>
+                <c:pt idx="7">
+                  <c:v>43.6</c:v>
+                </c:pt>
+              </c:numCache>
+            </c:numRef>
+          </c:val>
+          <c:smooth val="0"/>
+        </c:ser>
+        <c:dLbls>
+          <c:showLegendKey val="0"/>
+          <c:showVal val="0"/>
+          <c:showCatName val="0"/>
+          <c:showSerName val="0"/>
+          <c:showPercent val="0"/>
+          <c:showBubbleSize val="0"/>
+        </c:dLbls>
+        <c:marker val="1"/>
+        <c:smooth val="0"/>
+        <c:axId val="793650036"/>
+        <c:axId val="773704309"/>
+      </c:lineChart>
+      <c:catAx>
+        <c:axId val="212042096"/>
+        <c:scaling>
+          <c:orientation val="minMax"/>
+        </c:scaling>
+        <c:delete val="0"/>
+        <c:axPos val="b"/>
+        <c:majorGridlines>
+          <c:spPr>
+            <a:ln w="9525" cap="flat" cmpd="sng" algn="ctr">
+              <a:solidFill>
+                <a:sysClr val="windowText" lastClr="000000">
+                  <a:lumMod val="15000"/>
+                  <a:lumOff val="85000"/>
+                </a:sysClr>
+              </a:solidFill>
+              <a:round/>
+            </a:ln>
+            <a:effectLst/>
+          </c:spPr>
+        </c:majorGridlines>
+        <c:majorTickMark val="out"/>
+        <c:minorTickMark val="none"/>
+        <c:tickLblPos val="nextTo"/>
+        <c:spPr>
+          <a:noFill/>
+          <a:ln w="12700" cap="flat" cmpd="sng" algn="ctr">
+            <a:solidFill>
+              <a:sysClr val="windowText" lastClr="000000"/>
+            </a:solidFill>
+            <a:round/>
+          </a:ln>
+          <a:effectLst/>
+        </c:spPr>
+        <c:txPr>
+          <a:bodyPr rot="-60000000" spcFirstLastPara="0" vertOverflow="ellipsis" vert="horz" wrap="square" anchor="ctr" anchorCtr="1"/>
+          <a:lstStyle/>
+          <a:p>
+            <a:pPr>
+              <a:defRPr lang="en-US" sz="1400" b="0" i="0" u="none" strike="noStrike" kern="1200" baseline="0">
+                <a:solidFill>
+                  <a:sysClr val="windowText" lastClr="000000">
+                    <a:lumMod val="65000"/>
+                    <a:lumOff val="35000"/>
+                  </a:sysClr>
+                </a:solidFill>
+                <a:latin typeface="Calibri" panose="020F0502020204030204" charset="0"/>
+                <a:ea typeface="+mn-ea"/>
+                <a:cs typeface="+mn-ea"/>
+              </a:defRPr>
+            </a:pPr>
+          </a:p>
+        </c:txPr>
+        <c:crossAx val="972434261"/>
+        <c:crosses val="autoZero"/>
+        <c:auto val="1"/>
+        <c:lblAlgn val="ctr"/>
+        <c:lblOffset val="100"/>
+        <c:noMultiLvlLbl val="0"/>
+      </c:catAx>
+      <c:valAx>
+        <c:axId val="972434261"/>
+        <c:scaling>
+          <c:orientation val="minMax"/>
+        </c:scaling>
+        <c:delete val="0"/>
+        <c:axPos val="l"/>
+        <c:majorGridlines>
+          <c:spPr>
+            <a:ln w="9525" cap="flat" cmpd="sng" algn="ctr">
+              <a:solidFill>
+                <a:sysClr val="windowText" lastClr="000000">
+                  <a:lumMod val="15000"/>
+                  <a:lumOff val="85000"/>
+                </a:sysClr>
+              </a:solidFill>
+              <a:round/>
+            </a:ln>
+            <a:effectLst/>
+          </c:spPr>
+        </c:majorGridlines>
+        <c:title>
+          <c:tx>
+            <c:rich>
+              <a:bodyPr rot="-5400000" spcFirstLastPara="0" vertOverflow="ellipsis" vert="horz" wrap="square" anchor="ctr" anchorCtr="1"/>
+              <a:lstStyle/>
+              <a:p>
+                <a:pPr defTabSz="914400">
+                  <a:defRPr lang="en-US" sz="1400" b="0" i="0" u="none" strike="noStrike" kern="1200" baseline="0">
+                    <a:solidFill>
+                      <a:sysClr val="windowText" lastClr="000000">
+                        <a:lumMod val="65000"/>
+                        <a:lumOff val="35000"/>
+                      </a:sysClr>
+                    </a:solidFill>
+                    <a:latin typeface="Calibri" panose="020F0502020204030204" charset="0"/>
+                    <a:ea typeface="+mn-ea"/>
+                    <a:cs typeface="+mn-ea"/>
+                  </a:defRPr>
+                </a:pPr>
+                <a:r>
+                  <a:rPr sz="1400"/>
+                  <a:t>Resource allocation (LEs)</a:t>
+                </a:r>
+                <a:endParaRPr sz="1400"/>
+              </a:p>
+            </c:rich>
+          </c:tx>
+          <c:layout/>
+          <c:overlay val="0"/>
+          <c:spPr>
+            <a:noFill/>
+            <a:ln>
+              <a:noFill/>
+            </a:ln>
+            <a:effectLst/>
+          </c:spPr>
+        </c:title>
+        <c:numFmt formatCode="General" sourceLinked="1"/>
+        <c:majorTickMark val="out"/>
+        <c:minorTickMark val="none"/>
+        <c:tickLblPos val="nextTo"/>
+        <c:spPr>
+          <a:noFill/>
+          <a:ln w="12700">
+            <a:solidFill>
+              <a:sysClr val="windowText" lastClr="000000"/>
+            </a:solidFill>
+          </a:ln>
+          <a:effectLst/>
+        </c:spPr>
+        <c:txPr>
+          <a:bodyPr rot="-60000000" spcFirstLastPara="0" vertOverflow="ellipsis" vert="horz" wrap="square" anchor="ctr" anchorCtr="1"/>
+          <a:lstStyle/>
+          <a:p>
+            <a:pPr>
+              <a:defRPr lang="en-US" sz="1400" b="0" i="0" u="none" strike="noStrike" kern="1200" baseline="0">
+                <a:solidFill>
+                  <a:sysClr val="windowText" lastClr="000000">
+                    <a:lumMod val="65000"/>
+                    <a:lumOff val="35000"/>
+                  </a:sysClr>
+                </a:solidFill>
+                <a:latin typeface="Calibri" panose="020F0502020204030204" charset="0"/>
+                <a:ea typeface="+mn-ea"/>
+                <a:cs typeface="+mn-ea"/>
+              </a:defRPr>
+            </a:pPr>
+          </a:p>
+        </c:txPr>
+        <c:crossAx val="212042096"/>
+        <c:crosses val="autoZero"/>
+        <c:crossBetween val="between"/>
+      </c:valAx>
+      <c:catAx>
+        <c:axId val="793650036"/>
+        <c:scaling>
+          <c:orientation val="minMax"/>
+        </c:scaling>
+        <c:delete val="1"/>
+        <c:axPos val="b"/>
+        <c:majorTickMark val="out"/>
+        <c:minorTickMark val="none"/>
+        <c:tickLblPos val="nextTo"/>
+        <c:txPr>
+          <a:bodyPr rot="-60000000" spcFirstLastPara="0" vertOverflow="ellipsis" vert="horz" wrap="square" anchor="ctr" anchorCtr="1"/>
+          <a:lstStyle/>
+          <a:p>
+            <a:pPr>
+              <a:defRPr lang="en-US" sz="1400" b="0" i="0" u="none" strike="noStrike" kern="1200" baseline="0">
+                <a:solidFill>
+                  <a:sysClr val="windowText" lastClr="000000">
+                    <a:lumMod val="65000"/>
+                    <a:lumOff val="35000"/>
+                  </a:sysClr>
+                </a:solidFill>
+                <a:latin typeface="Calibri" panose="020F0502020204030204" charset="0"/>
+                <a:ea typeface="+mn-ea"/>
+                <a:cs typeface="+mn-ea"/>
+              </a:defRPr>
+            </a:pPr>
+          </a:p>
+        </c:txPr>
+        <c:crossAx val="773704309"/>
+        <c:crosses val="autoZero"/>
+        <c:auto val="1"/>
+        <c:lblAlgn val="ctr"/>
+        <c:lblOffset val="100"/>
+        <c:noMultiLvlLbl val="0"/>
+      </c:catAx>
+      <c:valAx>
+        <c:axId val="773704309"/>
+        <c:scaling>
+          <c:orientation val="minMax"/>
+          <c:max val="90"/>
+        </c:scaling>
+        <c:delete val="0"/>
+        <c:axPos val="r"/>
+        <c:title>
+          <c:tx>
+            <c:rich>
+              <a:bodyPr rot="-5400000" spcFirstLastPara="0" vertOverflow="ellipsis" vert="horz" wrap="square" anchor="ctr" anchorCtr="1"/>
+              <a:lstStyle/>
+              <a:p>
+                <a:pPr defTabSz="914400">
+                  <a:defRPr lang="en-US" sz="1400" b="0" i="0" u="none" strike="noStrike" kern="1200" baseline="0">
+                    <a:solidFill>
+                      <a:sysClr val="windowText" lastClr="000000">
+                        <a:lumMod val="65000"/>
+                        <a:lumOff val="35000"/>
+                      </a:sysClr>
+                    </a:solidFill>
+                    <a:latin typeface="Calibri" panose="020F0502020204030204" charset="0"/>
+                    <a:ea typeface="+mn-ea"/>
+                    <a:cs typeface="+mn-ea"/>
+                  </a:defRPr>
+                </a:pPr>
+                <a:r>
+                  <a:rPr sz="1400"/>
+                  <a:t>Maximum frequency of operation (MHz)</a:t>
+                </a:r>
+                <a:endParaRPr sz="1400"/>
+              </a:p>
+            </c:rich>
+          </c:tx>
+          <c:layout/>
+          <c:overlay val="0"/>
+          <c:spPr>
+            <a:noFill/>
+            <a:ln>
+              <a:noFill/>
+            </a:ln>
+            <a:effectLst/>
+          </c:spPr>
+        </c:title>
+        <c:numFmt formatCode="General" sourceLinked="1"/>
+        <c:majorTickMark val="out"/>
+        <c:minorTickMark val="none"/>
+        <c:tickLblPos val="nextTo"/>
+        <c:spPr>
+          <a:noFill/>
+          <a:ln w="12700">
+            <a:solidFill>
+              <a:sysClr val="windowText" lastClr="000000"/>
+            </a:solidFill>
+          </a:ln>
+          <a:effectLst/>
+        </c:spPr>
+        <c:txPr>
+          <a:bodyPr rot="-60000000" spcFirstLastPara="0" vertOverflow="ellipsis" vert="horz" wrap="square" anchor="ctr" anchorCtr="1"/>
+          <a:lstStyle/>
+          <a:p>
+            <a:pPr>
+              <a:defRPr lang="en-US" sz="1400" b="0" i="0" u="none" strike="noStrike" kern="1200" baseline="0">
+                <a:solidFill>
+                  <a:sysClr val="windowText" lastClr="000000">
+                    <a:lumMod val="65000"/>
+                    <a:lumOff val="35000"/>
+                  </a:sysClr>
+                </a:solidFill>
+                <a:latin typeface="Calibri" panose="020F0502020204030204" charset="0"/>
+                <a:ea typeface="+mn-ea"/>
+                <a:cs typeface="+mn-ea"/>
+              </a:defRPr>
+            </a:pPr>
+          </a:p>
+        </c:txPr>
+        <c:crossAx val="793650036"/>
+        <c:crosses val="max"/>
+        <c:crossBetween val="between"/>
+      </c:valAx>
+      <c:spPr>
+        <a:noFill/>
+        <a:ln>
+          <a:noFill/>
+        </a:ln>
+        <a:effectLst/>
+      </c:spPr>
+    </c:plotArea>
+    <c:legend>
+      <c:legendPos val="b"/>
+      <c:legendEntry>
+        <c:idx val="0"/>
+        <c:txPr>
+          <a:bodyPr rot="0" spcFirstLastPara="0" vertOverflow="ellipsis" vert="horz" wrap="square" anchor="ctr" anchorCtr="1"/>
+          <a:lstStyle/>
+          <a:p>
+            <a:pPr>
+              <a:defRPr lang="en-US" sz="1400" b="0" i="0" u="none" strike="noStrike" kern="1200" baseline="0">
+                <a:solidFill>
+                  <a:sysClr val="windowText" lastClr="000000">
+                    <a:lumMod val="65000"/>
+                    <a:lumOff val="35000"/>
+                  </a:sysClr>
+                </a:solidFill>
+                <a:latin typeface="Calibri" panose="020F0502020204030204" charset="0"/>
+                <a:ea typeface="+mn-ea"/>
+                <a:cs typeface="+mn-ea"/>
+              </a:defRPr>
+            </a:pPr>
+          </a:p>
+        </c:txPr>
+      </c:legendEntry>
+      <c:legendEntry>
+        <c:idx val="1"/>
+        <c:txPr>
+          <a:bodyPr rot="0" spcFirstLastPara="0" vertOverflow="ellipsis" vert="horz" wrap="square" anchor="ctr" anchorCtr="1"/>
+          <a:lstStyle/>
+          <a:p>
+            <a:pPr>
+              <a:defRPr lang="en-US" sz="1400" b="0" i="0" u="none" strike="noStrike" kern="1200" baseline="0">
+                <a:solidFill>
+                  <a:sysClr val="windowText" lastClr="000000">
+                    <a:lumMod val="65000"/>
+                    <a:lumOff val="35000"/>
+                  </a:sysClr>
+                </a:solidFill>
+                <a:latin typeface="Calibri" panose="020F0502020204030204" charset="0"/>
+                <a:ea typeface="+mn-ea"/>
+                <a:cs typeface="+mn-ea"/>
+              </a:defRPr>
+            </a:pPr>
+          </a:p>
+        </c:txPr>
+      </c:legendEntry>
+      <c:legendEntry>
+        <c:idx val="2"/>
+        <c:txPr>
+          <a:bodyPr rot="0" spcFirstLastPara="0" vertOverflow="ellipsis" vert="horz" wrap="square" anchor="ctr" anchorCtr="1"/>
+          <a:lstStyle/>
+          <a:p>
+            <a:pPr>
+              <a:defRPr lang="en-US" sz="1400" b="0" i="0" u="none" strike="noStrike" kern="1200" baseline="0">
+                <a:solidFill>
+                  <a:sysClr val="windowText" lastClr="000000">
+                    <a:lumMod val="65000"/>
+                    <a:lumOff val="35000"/>
+                  </a:sysClr>
+                </a:solidFill>
+                <a:latin typeface="Calibri" panose="020F0502020204030204" charset="0"/>
+                <a:ea typeface="+mn-ea"/>
+                <a:cs typeface="+mn-ea"/>
+              </a:defRPr>
+            </a:pPr>
+          </a:p>
+        </c:txPr>
+      </c:legendEntry>
+      <c:legendEntry>
+        <c:idx val="3"/>
+        <c:txPr>
+          <a:bodyPr rot="0" spcFirstLastPara="0" vertOverflow="ellipsis" vert="horz" wrap="square" anchor="ctr" anchorCtr="1"/>
+          <a:lstStyle/>
+          <a:p>
+            <a:pPr>
+              <a:defRPr lang="en-US" sz="1400" b="0" i="0" u="none" strike="noStrike" kern="1200" baseline="0">
+                <a:solidFill>
+                  <a:sysClr val="windowText" lastClr="000000">
+                    <a:lumMod val="65000"/>
+                    <a:lumOff val="35000"/>
+                  </a:sysClr>
+                </a:solidFill>
+                <a:latin typeface="Calibri" panose="020F0502020204030204" charset="0"/>
+                <a:ea typeface="+mn-ea"/>
+                <a:cs typeface="+mn-ea"/>
+              </a:defRPr>
+            </a:pPr>
+          </a:p>
+        </c:txPr>
+      </c:legendEntry>
+      <c:legendEntry>
+        <c:idx val="4"/>
+        <c:txPr>
+          <a:bodyPr rot="0" spcFirstLastPara="0" vertOverflow="ellipsis" vert="horz" wrap="square" anchor="ctr" anchorCtr="1"/>
+          <a:lstStyle/>
+          <a:p>
+            <a:pPr>
+              <a:defRPr lang="en-US" sz="1400" b="0" i="0" u="none" strike="noStrike" kern="1200" baseline="0">
+                <a:solidFill>
+                  <a:sysClr val="windowText" lastClr="000000">
+                    <a:lumMod val="65000"/>
+                    <a:lumOff val="35000"/>
+                  </a:sysClr>
+                </a:solidFill>
+                <a:latin typeface="Calibri" panose="020F0502020204030204" charset="0"/>
+                <a:ea typeface="+mn-ea"/>
+                <a:cs typeface="+mn-ea"/>
+              </a:defRPr>
+            </a:pPr>
+          </a:p>
+        </c:txPr>
+      </c:legendEntry>
+      <c:legendEntry>
+        <c:idx val="5"/>
+        <c:txPr>
+          <a:bodyPr rot="0" spcFirstLastPara="0" vertOverflow="ellipsis" vert="horz" wrap="square" anchor="ctr" anchorCtr="1"/>
+          <a:lstStyle/>
+          <a:p>
+            <a:pPr>
+              <a:defRPr lang="en-US" sz="1400" b="0" i="0" u="none" strike="noStrike" kern="1200" baseline="0">
+                <a:solidFill>
+                  <a:sysClr val="windowText" lastClr="000000">
+                    <a:lumMod val="65000"/>
+                    <a:lumOff val="35000"/>
+                  </a:sysClr>
+                </a:solidFill>
+                <a:latin typeface="Calibri" panose="020F0502020204030204" charset="0"/>
+                <a:ea typeface="+mn-ea"/>
+                <a:cs typeface="+mn-ea"/>
+              </a:defRPr>
+            </a:pPr>
+          </a:p>
+        </c:txPr>
+      </c:legendEntry>
+      <c:layout/>
+      <c:overlay val="0"/>
+      <c:spPr>
+        <a:noFill/>
+        <a:ln>
+          <a:noFill/>
+        </a:ln>
+        <a:effectLst/>
+      </c:spPr>
+      <c:txPr>
+        <a:bodyPr rot="0" spcFirstLastPara="0" vertOverflow="ellipsis" vert="horz" wrap="square" anchor="ctr" anchorCtr="1"/>
+        <a:lstStyle/>
+        <a:p>
+          <a:pPr>
+            <a:defRPr lang="en-US" sz="1400" b="0" i="0" u="none" strike="noStrike" kern="1200" baseline="0">
+              <a:solidFill>
+                <a:sysClr val="windowText" lastClr="000000">
+                  <a:lumMod val="65000"/>
+                  <a:lumOff val="35000"/>
+                </a:sysClr>
+              </a:solidFill>
+              <a:latin typeface="Calibri" panose="020F0502020204030204" charset="0"/>
+              <a:ea typeface="+mn-ea"/>
+              <a:cs typeface="+mn-ea"/>
+            </a:defRPr>
+          </a:pPr>
+        </a:p>
+      </c:txPr>
+    </c:legend>
+    <c:plotVisOnly val="1"/>
+    <c:dispBlanksAs val="gap"/>
+    <c:showDLblsOverMax val="0"/>
+  </c:chart>
+  <c:spPr>
+    <a:solidFill>
+      <a:sysClr val="window" lastClr="FFFFFF"/>
+    </a:solidFill>
+    <a:ln w="9525" cap="flat" cmpd="sng" algn="ctr">
+      <a:solidFill>
+        <a:sysClr val="windowText" lastClr="000000">
+          <a:lumMod val="15000"/>
+          <a:lumOff val="85000"/>
+        </a:sysClr>
+      </a:solidFill>
+      <a:round/>
+    </a:ln>
+    <a:effectLst/>
+  </c:spPr>
+  <c:txPr>
+    <a:bodyPr/>
+    <a:lstStyle/>
+    <a:p>
+      <a:pPr>
+        <a:defRPr lang="en-US" sz="1400"/>
+      </a:pPr>
+    </a:p>
+  </c:txPr>
+  <c:externalData r:id="rId1">
+    <c:autoUpdate val="0"/>
+  </c:externalData>
+</c:chartSpace>
+</file>
+
+<file path=ppt/charts/colors1.xml><?xml version="1.0" encoding="utf-8"?>
+<cs:colorStyle xmlns:cs="http://schemas.microsoft.com/office/drawing/2012/chartStyle" xmlns:a="http://schemas.openxmlformats.org/drawingml/2006/main" meth="cycle" id="10">
+  <a:schemeClr val="accent1"/>
+  <a:schemeClr val="accent2"/>
+  <a:schemeClr val="accent3"/>
+  <a:schemeClr val="accent4"/>
+  <a:schemeClr val="accent5"/>
+  <a:schemeClr val="accent6"/>
+  <cs:variation/>
+  <cs:variation>
+    <a:lumMod val="60000"/>
+  </cs:variation>
+  <cs:variation>
+    <a:lumMod val="80000"/>
+    <a:lumOff val="20000"/>
+  </cs:variation>
+  <cs:variation>
+    <a:lumMod val="80000"/>
+  </cs:variation>
+  <cs:variation>
+    <a:lumMod val="60000"/>
+    <a:lumOff val="40000"/>
+  </cs:variation>
+  <cs:variation>
+    <a:lumMod val="50000"/>
+  </cs:variation>
+  <cs:variation>
+    <a:lumMod val="70000"/>
+    <a:lumOff val="30000"/>
+  </cs:variation>
+  <cs:variation>
+    <a:lumMod val="70000"/>
+  </cs:variation>
+  <cs:variation>
+    <a:lumMod val="50000"/>
+    <a:lumOff val="50000"/>
+  </cs:variation>
+</cs:colorStyle>
+</file>
+
+<file path=ppt/charts/style1.xml><?xml version="1.0" encoding="utf-8"?>
+<cs:chartStyle xmlns:cs="http://schemas.microsoft.com/office/drawing/2012/chartStyle" xmlns:a="http://schemas.openxmlformats.org/drawingml/2006/main" id="201">
+  <cs:axisTitle>
+    <cs:lnRef idx="0"/>
+    <cs:fillRef idx="0"/>
+    <cs:effectRef idx="0"/>
+    <cs:fontRef idx="minor">
+      <a:sysClr val="windowText" lastClr="000000">
+        <a:lumMod val="65000"/>
+        <a:lumOff val="35000"/>
+      </a:sysClr>
+    </cs:fontRef>
+    <cs:defRPr sz="1000" kern="1200"/>
+  </cs:axisTitle>
+  <cs:categoryAxis>
+    <cs:lnRef idx="0"/>
+    <cs:fillRef idx="0"/>
+    <cs:effectRef idx="0"/>
+    <cs:fontRef idx="minor">
+      <a:sysClr val="windowText" lastClr="000000">
+        <a:lumMod val="65000"/>
+        <a:lumOff val="35000"/>
+      </a:sysClr>
+    </cs:fontRef>
+    <cs:spPr>
+      <a:ln w="9525" cap="flat" cmpd="sng" algn="ctr">
+        <a:solidFill>
+          <a:sysClr val="windowText" lastClr="000000">
+            <a:lumMod val="15000"/>
+            <a:lumOff val="85000"/>
+          </a:sysClr>
+        </a:solidFill>
+        <a:round/>
+      </a:ln>
+    </cs:spPr>
+    <cs:defRPr sz="900" kern="1200"/>
+  </cs:categoryAxis>
+  <cs:chartArea mods="allowNoFillOverride allowNoLineOverride">
+    <cs:lnRef idx="0"/>
+    <cs:fillRef idx="0"/>
+    <cs:effectRef idx="0"/>
+    <cs:fontRef idx="minor">
+      <a:sysClr val="windowText" lastClr="000000"/>
+    </cs:fontRef>
+    <cs:spPr>
+      <a:solidFill>
+        <a:sysClr val="window" lastClr="FFFFFF"/>
+      </a:solidFill>
+      <a:ln w="9525" cap="flat" cmpd="sng" algn="ctr">
+        <a:solidFill>
+          <a:sysClr val="windowText" lastClr="000000">
+            <a:lumMod val="15000"/>
+            <a:lumOff val="85000"/>
+          </a:sysClr>
+        </a:solidFill>
+        <a:round/>
+      </a:ln>
+    </cs:spPr>
+    <cs:defRPr sz="1000" kern="1200"/>
+  </cs:chartArea>
+  <cs:dataLabel>
+    <cs:lnRef idx="0"/>
+    <cs:fillRef idx="0"/>
+    <cs:effectRef idx="0"/>
+    <cs:fontRef idx="minor">
+      <a:sysClr val="windowText" lastClr="000000">
+        <a:lumMod val="75000"/>
+        <a:lumOff val="25000"/>
+      </a:sysClr>
+    </cs:fontRef>
+    <cs:defRPr sz="900" kern="1200"/>
+  </cs:dataLabel>
+  <cs:dataLabelCallout>
+    <cs:lnRef idx="0"/>
+    <cs:fillRef idx="0"/>
+    <cs:effectRef idx="0"/>
+    <cs:fontRef idx="minor">
+      <a:sysClr val="windowText" lastClr="000000">
+        <a:lumMod val="65000"/>
+        <a:lumOff val="35000"/>
+      </a:sysClr>
+    </cs:fontRef>
+    <cs:spPr>
+      <a:solidFill>
+        <a:sysClr val="window" lastClr="FFFFFF"/>
+      </a:solidFill>
+      <a:ln>
+        <a:solidFill>
+          <a:sysClr val="windowText" lastClr="000000">
+            <a:lumMod val="25000"/>
+            <a:lumOff val="75000"/>
+          </a:sysClr>
+        </a:solidFill>
+      </a:ln>
+    </cs:spPr>
+    <cs:defRPr sz="900" kern="1200"/>
+    <cs:bodyPr rot="0" spcFirstLastPara="1" vertOverflow="clip" horzOverflow="clip" vert="horz" wrap="square" lIns="36576" tIns="18288" rIns="36576" bIns="18288" anchor="ctr" anchorCtr="1">
+      <a:spAutoFit/>
+    </cs:bodyPr>
+  </cs:dataLabelCallout>
+  <cs:dataPoint>
+    <cs:lnRef idx="0"/>
+    <cs:fillRef idx="1">
+      <cs:styleClr val="auto"/>
+    </cs:fillRef>
+    <cs:effectRef idx="0"/>
+    <cs:fontRef idx="minor">
+      <a:sysClr val="windowText" lastClr="000000"/>
+    </cs:fontRef>
+  </cs:dataPoint>
+  <cs:dataPoint3D>
+    <cs:lnRef idx="0"/>
+    <cs:fillRef idx="1">
+      <cs:styleClr val="auto"/>
+    </cs:fillRef>
+    <cs:effectRef idx="0"/>
+    <cs:fontRef idx="minor">
+      <a:sysClr val="windowText" lastClr="000000"/>
+    </cs:fontRef>
+  </cs:dataPoint3D>
+  <cs:dataPointLine>
+    <cs:lnRef idx="0">
+      <cs:styleClr val="auto"/>
+    </cs:lnRef>
+    <cs:fillRef idx="1"/>
+    <cs:effectRef idx="0"/>
+    <cs:fontRef idx="minor">
+      <a:sysClr val="windowText" lastClr="000000"/>
+    </cs:fontRef>
+    <cs:spPr>
+      <a:ln w="28575" cap="rnd">
+        <a:solidFill>
+          <a:srgbClr val="FFFFFF"/>
+        </a:solidFill>
+        <a:round/>
+      </a:ln>
+    </cs:spPr>
+  </cs:dataPointLine>
+  <cs:dataPointMarker>
+    <cs:lnRef idx="0">
+      <cs:styleClr val="auto"/>
+    </cs:lnRef>
+    <cs:fillRef idx="1">
+      <cs:styleClr val="auto"/>
+    </cs:fillRef>
+    <cs:effectRef idx="0"/>
+    <cs:fontRef idx="minor">
+      <a:sysClr val="windowText" lastClr="000000"/>
+    </cs:fontRef>
+    <cs:spPr>
+      <a:ln w="9525">
+        <a:solidFill>
+          <a:srgbClr val="FFFFFF"/>
+        </a:solidFill>
+      </a:ln>
+    </cs:spPr>
+  </cs:dataPointMarker>
+  <cs:dataPointMarkerLayout symbol="circle" size="5"/>
+  <cs:dataPointWireframe>
+    <cs:lnRef idx="0">
+      <cs:styleClr val="auto"/>
+    </cs:lnRef>
+    <cs:fillRef idx="1"/>
+    <cs:effectRef idx="0"/>
+    <cs:fontRef idx="minor">
+      <a:sysClr val="windowText" lastClr="000000"/>
+    </cs:fontRef>
+    <cs:spPr>
+      <a:ln w="9525" cap="rnd">
+        <a:solidFill>
+          <a:srgbClr val="FFFFFF"/>
+        </a:solidFill>
+        <a:round/>
+      </a:ln>
+    </cs:spPr>
+  </cs:dataPointWireframe>
+  <cs:dataTable>
+    <cs:lnRef idx="0"/>
+    <cs:fillRef idx="0"/>
+    <cs:effectRef idx="0"/>
+    <cs:fontRef idx="minor">
+      <a:sysClr val="windowText" lastClr="000000">
+        <a:lumMod val="65000"/>
+        <a:lumOff val="35000"/>
+      </a:sysClr>
+    </cs:fontRef>
+    <cs:spPr>
+      <a:noFill/>
+      <a:ln w="9525" cap="flat" cmpd="sng" algn="ctr">
+        <a:solidFill>
+          <a:sysClr val="windowText" lastClr="000000">
+            <a:lumMod val="15000"/>
+            <a:lumOff val="85000"/>
+          </a:sysClr>
+        </a:solidFill>
+        <a:round/>
+      </a:ln>
+    </cs:spPr>
+    <cs:defRPr sz="900" kern="1200"/>
+  </cs:dataTable>
+  <cs:downBar>
+    <cs:lnRef idx="0"/>
+    <cs:fillRef idx="0"/>
+    <cs:effectRef idx="0"/>
+    <cs:fontRef idx="minor">
+      <a:sysClr val="windowText" lastClr="000000"/>
+    </cs:fontRef>
+    <cs:spPr>
+      <a:solidFill>
+        <a:sysClr val="windowText" lastClr="000000">
+          <a:lumMod val="65000"/>
+          <a:lumOff val="35000"/>
+        </a:sysClr>
+      </a:solidFill>
+      <a:ln w="9525">
+        <a:solidFill>
+          <a:sysClr val="windowText" lastClr="000000">
+            <a:lumMod val="65000"/>
+            <a:lumOff val="35000"/>
+          </a:sysClr>
+        </a:solidFill>
+      </a:ln>
+    </cs:spPr>
+  </cs:downBar>
+  <cs:dropLine>
+    <cs:lnRef idx="0"/>
+    <cs:fillRef idx="0"/>
+    <cs:effectRef idx="0"/>
+    <cs:fontRef idx="minor">
+      <a:sysClr val="windowText" lastClr="000000"/>
+    </cs:fontRef>
+    <cs:spPr>
+      <a:ln w="9525" cap="flat" cmpd="sng" algn="ctr">
+        <a:solidFill>
+          <a:sysClr val="windowText" lastClr="000000">
+            <a:lumMod val="35000"/>
+            <a:lumOff val="65000"/>
+          </a:sysClr>
+        </a:solidFill>
+        <a:round/>
+      </a:ln>
+    </cs:spPr>
+  </cs:dropLine>
+  <cs:errorBar>
+    <cs:lnRef idx="0"/>
+    <cs:fillRef idx="0"/>
+    <cs:effectRef idx="0"/>
+    <cs:fontRef idx="minor">
+      <a:sysClr val="windowText" lastClr="000000"/>
+    </cs:fontRef>
+    <cs:spPr>
+      <a:ln w="9525" cap="flat" cmpd="sng" algn="ctr">
+        <a:solidFill>
+          <a:sysClr val="windowText" lastClr="000000">
+            <a:lumMod val="65000"/>
+            <a:lumOff val="35000"/>
+          </a:sysClr>
+        </a:solidFill>
+        <a:round/>
+      </a:ln>
+    </cs:spPr>
+  </cs:errorBar>
+  <cs:floor>
+    <cs:lnRef idx="0"/>
+    <cs:fillRef idx="0"/>
+    <cs:effectRef idx="0"/>
+    <cs:fontRef idx="minor">
+      <a:sysClr val="windowText" lastClr="000000"/>
+    </cs:fontRef>
+    <cs:spPr>
+      <a:noFill/>
+      <a:ln>
+        <a:noFill/>
+      </a:ln>
+    </cs:spPr>
+  </cs:floor>
+  <cs:gridlineMajor>
+    <cs:lnRef idx="0"/>
+    <cs:fillRef idx="0"/>
+    <cs:effectRef idx="0"/>
+    <cs:fontRef idx="minor">
+      <a:sysClr val="windowText" lastClr="000000"/>
+    </cs:fontRef>
+    <cs:spPr>
+      <a:ln w="9525" cap="flat" cmpd="sng" algn="ctr">
+        <a:solidFill>
+          <a:sysClr val="windowText" lastClr="000000">
+            <a:lumMod val="15000"/>
+            <a:lumOff val="85000"/>
+          </a:sysClr>
+        </a:solidFill>
+        <a:round/>
+      </a:ln>
+    </cs:spPr>
+  </cs:gridlineMajor>
+  <cs:gridlineMinor>
+    <cs:lnRef idx="0"/>
+    <cs:fillRef idx="0"/>
+    <cs:effectRef idx="0"/>
+    <cs:fontRef idx="minor">
+      <a:sysClr val="windowText" lastClr="000000"/>
+    </cs:fontRef>
+    <cs:spPr>
+      <a:ln w="9525" cap="flat" cmpd="sng" algn="ctr">
+        <a:solidFill>
+          <a:sysClr val="windowText" lastClr="000000">
+            <a:lumMod val="5000"/>
+            <a:lumOff val="95000"/>
+          </a:sysClr>
+        </a:solidFill>
+        <a:round/>
+      </a:ln>
+    </cs:spPr>
+  </cs:gridlineMinor>
+  <cs:hiLoLine>
+    <cs:lnRef idx="0"/>
+    <cs:fillRef idx="0"/>
+    <cs:effectRef idx="0"/>
+    <cs:fontRef idx="minor">
+      <a:sysClr val="windowText" lastClr="000000"/>
+    </cs:fontRef>
+    <cs:spPr>
+      <a:ln w="9525" cap="flat" cmpd="sng" algn="ctr">
+        <a:solidFill>
+          <a:sysClr val="windowText" lastClr="000000">
+            <a:lumMod val="75000"/>
+            <a:lumOff val="25000"/>
+          </a:sysClr>
+        </a:solidFill>
+        <a:round/>
+      </a:ln>
+    </cs:spPr>
+  </cs:hiLoLine>
+  <cs:leaderLine>
+    <cs:lnRef idx="0"/>
+    <cs:fillRef idx="0"/>
+    <cs:effectRef idx="0"/>
+    <cs:fontRef idx="minor">
+      <a:sysClr val="windowText" lastClr="000000"/>
+    </cs:fontRef>
+    <cs:spPr>
+      <a:ln w="9525" cap="flat" cmpd="sng" algn="ctr">
+        <a:solidFill>
+          <a:sysClr val="windowText" lastClr="000000">
+            <a:lumMod val="35000"/>
+            <a:lumOff val="65000"/>
+          </a:sysClr>
+        </a:solidFill>
+        <a:round/>
+      </a:ln>
+    </cs:spPr>
+  </cs:leaderLine>
+  <cs:legend>
+    <cs:lnRef idx="0"/>
+    <cs:fillRef idx="0"/>
+    <cs:effectRef idx="0"/>
+    <cs:fontRef idx="minor">
+      <a:sysClr val="windowText" lastClr="000000">
+        <a:lumMod val="65000"/>
+        <a:lumOff val="35000"/>
+      </a:sysClr>
+    </cs:fontRef>
+    <cs:defRPr sz="900" kern="1200"/>
+  </cs:legend>
+  <cs:plotArea mods="allowNoFillOverride allowNoLineOverride">
+    <cs:lnRef idx="0"/>
+    <cs:fillRef idx="0"/>
+    <cs:effectRef idx="0"/>
+    <cs:fontRef idx="minor">
+      <a:sysClr val="windowText" lastClr="000000"/>
+    </cs:fontRef>
+  </cs:plotArea>
+  <cs:plotArea3D mods="allowNoFillOverride allowNoLineOverride">
+    <cs:lnRef idx="0"/>
+    <cs:fillRef idx="0"/>
+    <cs:effectRef idx="0"/>
+    <cs:fontRef idx="minor">
+      <a:sysClr val="windowText" lastClr="000000"/>
+    </cs:fontRef>
+  </cs:plotArea3D>
+  <cs:seriesAxis>
+    <cs:lnRef idx="0"/>
+    <cs:fillRef idx="0"/>
+    <cs:effectRef idx="0"/>
+    <cs:fontRef idx="minor">
+      <a:sysClr val="windowText" lastClr="000000">
+        <a:lumMod val="65000"/>
+        <a:lumOff val="35000"/>
+      </a:sysClr>
+    </cs:fontRef>
+    <cs:defRPr sz="900" kern="1200"/>
+  </cs:seriesAxis>
+  <cs:seriesLine>
+    <cs:lnRef idx="0"/>
+    <cs:fillRef idx="0"/>
+    <cs:effectRef idx="0"/>
+    <cs:fontRef idx="minor">
+      <a:sysClr val="windowText" lastClr="000000"/>
+    </cs:fontRef>
+    <cs:spPr>
+      <a:ln w="9525" cap="flat" cmpd="sng" algn="ctr">
+        <a:solidFill>
+          <a:sysClr val="windowText" lastClr="000000">
+            <a:lumMod val="35000"/>
+            <a:lumOff val="65000"/>
+          </a:sysClr>
+        </a:solidFill>
+        <a:round/>
+      </a:ln>
+    </cs:spPr>
+  </cs:seriesLine>
+  <cs:title>
+    <cs:lnRef idx="0"/>
+    <cs:fillRef idx="0"/>
+    <cs:effectRef idx="0"/>
+    <cs:fontRef idx="minor">
+      <a:sysClr val="windowText" lastClr="000000">
+        <a:lumMod val="65000"/>
+        <a:lumOff val="35000"/>
+      </a:sysClr>
+    </cs:fontRef>
+    <cs:defRPr sz="1400" b="0" kern="1200" spc="0" baseline="0"/>
+  </cs:title>
+  <cs:trendline>
+    <cs:lnRef idx="0">
+      <cs:styleClr val="auto"/>
+    </cs:lnRef>
+    <cs:fillRef idx="0"/>
+    <cs:effectRef idx="0"/>
+    <cs:fontRef idx="minor">
+      <a:sysClr val="windowText" lastClr="000000"/>
+    </cs:fontRef>
+    <cs:spPr>
+      <a:ln w="19050" cap="rnd">
+        <a:solidFill>
+          <a:srgbClr val="FFFFFF"/>
+        </a:solidFill>
+        <a:prstDash val="sysDot"/>
+      </a:ln>
+    </cs:spPr>
+  </cs:trendline>
+  <cs:trendlineLabel>
+    <cs:lnRef idx="0"/>
+    <cs:fillRef idx="0"/>
+    <cs:effectRef idx="0"/>
+    <cs:fontRef idx="minor">
+      <a:sysClr val="windowText" lastClr="000000">
+        <a:lumMod val="65000"/>
+        <a:lumOff val="35000"/>
+      </a:sysClr>
+    </cs:fontRef>
+    <cs:defRPr sz="900" kern="1200"/>
+  </cs:trendlineLabel>
+  <cs:upBar>
+    <cs:lnRef idx="0"/>
+    <cs:fillRef idx="0"/>
+    <cs:effectRef idx="0"/>
+    <cs:fontRef idx="minor">
+      <a:sysClr val="windowText" lastClr="000000"/>
+    </cs:fontRef>
+    <cs:spPr>
+      <a:solidFill>
+        <a:sysClr val="window" lastClr="FFFFFF"/>
+      </a:solidFill>
+      <a:ln w="9525">
+        <a:solidFill>
+          <a:sysClr val="windowText" lastClr="000000">
+            <a:lumMod val="15000"/>
+            <a:lumOff val="85000"/>
+          </a:sysClr>
+        </a:solidFill>
+      </a:ln>
+    </cs:spPr>
+  </cs:upBar>
+  <cs:valueAxis>
+    <cs:lnRef idx="0"/>
+    <cs:fillRef idx="0"/>
+    <cs:effectRef idx="0"/>
+    <cs:fontRef idx="minor">
+      <a:sysClr val="windowText" lastClr="000000">
+        <a:lumMod val="65000"/>
+        <a:lumOff val="35000"/>
+      </a:sysClr>
+    </cs:fontRef>
+    <cs:defRPr sz="900" kern="1200"/>
+  </cs:valueAxis>
+  <cs:wall>
+    <cs:lnRef idx="0"/>
+    <cs:fillRef idx="0"/>
+    <cs:effectRef idx="0"/>
+    <cs:fontRef idx="minor">
+      <a:sysClr val="windowText" lastClr="000000"/>
+    </cs:fontRef>
+    <cs:spPr>
+      <a:noFill/>
+      <a:ln>
+        <a:noFill/>
+      </a:ln>
+    </cs:spPr>
+  </cs:wall>
+</cs:chartStyle>
 </file>
 
 <file path=ppt/notesMasters/notesMaster1.xml><?xml version="1.0" encoding="utf-8"?>
@@ -2241,6 +3930,94 @@
 </file>
 
 <file path=ppt/notesSlides/notesSlide35.xml><?xml version="1.0" encoding="utf-8"?>
+<p:notes xmlns:a="http://schemas.openxmlformats.org/drawingml/2006/main" xmlns:r="http://schemas.openxmlformats.org/officeDocument/2006/relationships" xmlns:p="http://schemas.openxmlformats.org/presentationml/2006/main">
+  <p:cSld>
+    <p:spTree>
+      <p:nvGrpSpPr>
+        <p:cNvPr id="1" name=""/>
+        <p:cNvGrpSpPr/>
+        <p:nvPr/>
+      </p:nvGrpSpPr>
+      <p:grpSpPr/>
+      <p:sp>
+        <p:nvSpPr>
+          <p:cNvPr id="2" name="Slide Image Placeholder 1"/>
+          <p:cNvSpPr/>
+          <p:nvPr>
+            <p:ph type="sldImg" idx="2"/>
+          </p:nvPr>
+        </p:nvSpPr>
+        <p:spPr/>
+      </p:sp>
+      <p:sp>
+        <p:nvSpPr>
+          <p:cNvPr id="3" name="Text Placeholder 2"/>
+          <p:cNvSpPr/>
+          <p:nvPr>
+            <p:ph type="body" idx="3"/>
+          </p:nvPr>
+        </p:nvSpPr>
+        <p:spPr/>
+        <p:txBody>
+          <a:bodyPr/>
+          <a:p>
+            <a:endParaRPr lang="es-ES" altLang="en-US"/>
+          </a:p>
+        </p:txBody>
+      </p:sp>
+    </p:spTree>
+  </p:cSld>
+  <p:clrMapOvr>
+    <a:masterClrMapping/>
+  </p:clrMapOvr>
+</p:notes>
+</file>
+
+<file path=ppt/notesSlides/notesSlide36.xml><?xml version="1.0" encoding="utf-8"?>
+<p:notes xmlns:a="http://schemas.openxmlformats.org/drawingml/2006/main" xmlns:r="http://schemas.openxmlformats.org/officeDocument/2006/relationships" xmlns:p="http://schemas.openxmlformats.org/presentationml/2006/main">
+  <p:cSld>
+    <p:spTree>
+      <p:nvGrpSpPr>
+        <p:cNvPr id="1" name=""/>
+        <p:cNvGrpSpPr/>
+        <p:nvPr/>
+      </p:nvGrpSpPr>
+      <p:grpSpPr/>
+      <p:sp>
+        <p:nvSpPr>
+          <p:cNvPr id="2" name="Slide Image Placeholder 1"/>
+          <p:cNvSpPr/>
+          <p:nvPr>
+            <p:ph type="sldImg" idx="2"/>
+          </p:nvPr>
+        </p:nvSpPr>
+        <p:spPr/>
+      </p:sp>
+      <p:sp>
+        <p:nvSpPr>
+          <p:cNvPr id="3" name="Text Placeholder 2"/>
+          <p:cNvSpPr/>
+          <p:nvPr>
+            <p:ph type="body" idx="3"/>
+          </p:nvPr>
+        </p:nvSpPr>
+        <p:spPr/>
+        <p:txBody>
+          <a:bodyPr/>
+          <a:p>
+            <a:endParaRPr lang="es-ES" altLang="en-US"/>
+          </a:p>
+        </p:txBody>
+      </p:sp>
+    </p:spTree>
+  </p:cSld>
+  <p:clrMapOvr>
+    <a:masterClrMapping/>
+  </p:clrMapOvr>
+</p:notes>
+</file>
+
+<file path=ppt/notesSlides/notesSlide37.xml><?xml version="1.0" encoding="utf-8"?>
 <p:notes xmlns:a="http://schemas.openxmlformats.org/drawingml/2006/main" xmlns:r="http://schemas.openxmlformats.org/officeDocument/2006/relationships" xmlns:p="http://schemas.openxmlformats.org/presentationml/2006/main">
   <p:cSld>
     <p:spTree>
@@ -15981,7 +17758,7 @@
         <p:spPr>
           <a:xfrm>
             <a:off x="1777365" y="150495"/>
-            <a:ext cx="1148080" cy="675640"/>
+            <a:ext cx="4497070" cy="675640"/>
           </a:xfrm>
           <a:prstGeom prst="rect">
             <a:avLst/>
@@ -15996,7 +17773,7 @@
             <a:pPr algn="l"/>
             <a:r>
               <a:rPr lang="es-ES" altLang="en-US" sz="3800" b="1"/>
-              <a:t>FPU</a:t>
+              <a:t>Floating-Point Unit</a:t>
             </a:r>
             <a:endParaRPr lang="es-ES" altLang="en-US" sz="3800" b="1"/>
           </a:p>
@@ -17833,7 +19610,7 @@
             </a:pPr>
             <a:r>
               <a:rPr lang="es-ES" altLang="en-US" sz="2800"/>
-              <a:t>Validation.</a:t>
+              <a:t>Validation process.</a:t>
             </a:r>
             <a:endParaRPr lang="es-ES" altLang="en-US" sz="2800"/>
           </a:p>
@@ -17964,7 +19741,7 @@
         <p:spPr>
           <a:xfrm>
             <a:off x="1777365" y="150495"/>
-            <a:ext cx="1148080" cy="675640"/>
+            <a:ext cx="4497070" cy="675640"/>
           </a:xfrm>
           <a:prstGeom prst="rect">
             <a:avLst/>
@@ -17979,7 +19756,7 @@
             <a:pPr algn="l"/>
             <a:r>
               <a:rPr lang="es-ES" altLang="en-US" sz="3800" b="1"/>
-              <a:t>FPU</a:t>
+              <a:t>Floating-Point Unit</a:t>
             </a:r>
             <a:endParaRPr lang="es-ES" altLang="en-US" sz="3800" b="1"/>
           </a:p>
@@ -21358,7 +23135,7 @@
         <p:spPr>
           <a:xfrm>
             <a:off x="1777365" y="150495"/>
-            <a:ext cx="3300095" cy="675640"/>
+            <a:ext cx="6007735" cy="675640"/>
           </a:xfrm>
           <a:prstGeom prst="rect">
             <a:avLst/>
@@ -21372,7 +23149,7 @@
           <a:p>
             <a:r>
               <a:rPr lang="es-ES" altLang="en-US" sz="3800" b="1"/>
-              <a:t>FPGA porting</a:t>
+              <a:t>Validation - FPGA porting</a:t>
             </a:r>
             <a:endParaRPr lang="es-ES" altLang="en-US" sz="3800" b="1"/>
           </a:p>
@@ -21970,7 +23747,7 @@
         <p:spPr>
           <a:xfrm>
             <a:off x="503555" y="1163955"/>
-            <a:ext cx="11593830" cy="5297805"/>
+            <a:ext cx="11593830" cy="4925695"/>
           </a:xfrm>
           <a:prstGeom prst="rect">
             <a:avLst/>
@@ -22004,8 +23781,12 @@
               <a:buChar char="•"/>
             </a:pPr>
             <a:r>
+              <a:rPr lang="es-ES" altLang="en-US" sz="2200" b="1"/>
+              <a:t>Generate the components</a:t>
+            </a:r>
+            <a:r>
               <a:rPr lang="es-ES" altLang="en-US" sz="2200"/>
-              <a:t>Generate the components required to implement the support for the extension sets M and </a:t>
+              <a:t> required to implement the support for the extension sets M and </a:t>
             </a:r>
             <a:r>
               <a:rPr lang="es-ES" altLang="en-US" sz="2200">
@@ -22051,10 +23832,26 @@
             </a:pPr>
             <a:r>
               <a:rPr lang="es-ES" altLang="en-US" sz="2200"/>
-              <a:t>Understand the provided RV32I pipeline core and adapt it to expand the instruction set support to RV32IM and </a:t>
-            </a:r>
-            <a:r>
-              <a:rPr lang="es-ES" altLang="en-US" sz="2200">
+              <a:t>Understand the provided</a:t>
+            </a:r>
+            <a:r>
+              <a:rPr lang="es-ES" altLang="en-US" sz="2200" b="1"/>
+              <a:t> RV32I</a:t>
+            </a:r>
+            <a:r>
+              <a:rPr lang="es-ES" altLang="en-US" sz="2200"/>
+              <a:t> pipeline core and adapt it to expand the instruction set support to </a:t>
+            </a:r>
+            <a:r>
+              <a:rPr lang="es-ES" altLang="en-US" sz="2200" b="1"/>
+              <a:t>RV32IM</a:t>
+            </a:r>
+            <a:r>
+              <a:rPr lang="es-ES" altLang="en-US" sz="2200"/>
+              <a:t> and </a:t>
+            </a:r>
+            <a:r>
+              <a:rPr lang="es-ES" altLang="en-US" sz="2200" b="1">
                 <a:solidFill>
                   <a:srgbClr val="FF0000"/>
                 </a:solidFill>
@@ -22062,7 +23859,7 @@
               <a:t>partial </a:t>
             </a:r>
             <a:r>
-              <a:rPr lang="es-ES" altLang="en-US" sz="2200">
+              <a:rPr lang="es-ES" altLang="en-US" sz="2200" b="1">
                 <a:solidFill>
                   <a:schemeClr val="tx1"/>
                 </a:solidFill>
@@ -22092,8 +23889,12 @@
               <a:buChar char="•"/>
             </a:pPr>
             <a:r>
+              <a:rPr lang="es-ES" altLang="en-US" sz="2200" b="1"/>
+              <a:t>Validate </a:t>
+            </a:r>
+            <a:r>
               <a:rPr lang="es-ES" altLang="en-US" sz="2200"/>
-              <a:t>Verify the designs in a testbench setting to confirm RISC-V compatibility. </a:t>
+              <a:t>the designs in a testbench setting to confirm RISC-V compatibility. </a:t>
             </a:r>
             <a:r>
               <a:rPr lang="es-ES" altLang="en-US" sz="2200">
@@ -22114,10 +23915,16 @@
               <a:buChar char="•"/>
             </a:pPr>
             <a:r>
+              <a:rPr lang="es-ES" altLang="en-US" sz="2200" b="1">
+                <a:sym typeface="+mn-ea"/>
+              </a:rPr>
+              <a:t>Analyze performance data</a:t>
+            </a:r>
+            <a:r>
               <a:rPr lang="es-ES" altLang="en-US" sz="2200">
                 <a:sym typeface="+mn-ea"/>
               </a:rPr>
-              <a:t>Analyze performance data between the components and core models. </a:t>
+              <a:t> between the components and core models. </a:t>
             </a:r>
             <a:r>
               <a:rPr lang="es-ES" altLang="en-US" sz="2200">
@@ -22139,8 +23946,12 @@
               <a:buChar char="•"/>
             </a:pPr>
             <a:r>
+              <a:rPr lang="es-ES" altLang="en-US" sz="2200" b="1"/>
+              <a:t>Port to the FPGA platform</a:t>
+            </a:r>
+            <a:r>
               <a:rPr lang="es-ES" altLang="en-US" sz="2200"/>
-              <a:t>Port to the FPGA platform to verify bare metal operation. </a:t>
+              <a:t> to verify bare-metal operation. </a:t>
             </a:r>
             <a:r>
               <a:rPr lang="es-ES" altLang="en-US" sz="2200">
@@ -22166,7 +23977,7 @@
                   <a:srgbClr val="FF0000"/>
                 </a:solidFill>
               </a:rPr>
-              <a:t>Optimal implementation options at the divisor circuit, maintaining the frequency of operation set by the single-cycle multiplier. Slides 15, 16, 17.</a:t>
+              <a:t>Implementation options at the divider circuit, maintaining the frequency of operation set by the single-cycle multiplier. Slides 15, 16, 17.</a:t>
             </a:r>
             <a:endParaRPr lang="es-ES" altLang="en-US" sz="2200">
               <a:solidFill>
@@ -22213,28 +24024,6 @@
             <a:r>
               <a:rPr lang="es-ES" altLang="en-US" sz="2200"/>
               <a:t>Online repository: github.com/FFD-UAB/RISC-V-Instruction-sets-M-and-F</a:t>
-            </a:r>
-            <a:endParaRPr lang="es-ES" altLang="en-US" sz="2200"/>
-          </a:p>
-          <a:p>
-            <a:pPr indent="0" algn="l">
-              <a:lnSpc>
-                <a:spcPct val="110000"/>
-              </a:lnSpc>
-              <a:buFont typeface="Arial" panose="020B0604020202020204" pitchFamily="34" charset="0"/>
-              <a:buNone/>
-            </a:pPr>
-            <a:r>
-              <a:rPr lang="es-ES" altLang="en-US" sz="2200">
-                <a:sym typeface="+mn-ea"/>
-              </a:rPr>
-              <a:t>Contact: </a:t>
-            </a:r>
-            <a:r>
-              <a:rPr lang="es-ES" altLang="en-US" sz="2200">
-                <a:sym typeface="+mn-ea"/>
-              </a:rPr>
-              <a:t>FranciscoJavier.Fuentes@e-campus.uab.cat</a:t>
             </a:r>
             <a:endParaRPr lang="es-ES" altLang="en-US" sz="2200"/>
           </a:p>
@@ -32420,6 +34209,377 @@
 </p:sld>
 </file>
 
+<file path=ppt/slides/slide36.xml><?xml version="1.0" encoding="utf-8"?>
+<p:sld xmlns:a="http://schemas.openxmlformats.org/drawingml/2006/main" xmlns:r="http://schemas.openxmlformats.org/officeDocument/2006/relationships" xmlns:p="http://schemas.openxmlformats.org/presentationml/2006/main">
+  <p:cSld>
+    <p:spTree>
+      <p:nvGrpSpPr>
+        <p:cNvPr id="1" name=""/>
+        <p:cNvGrpSpPr/>
+        <p:nvPr/>
+      </p:nvGrpSpPr>
+      <p:grpSpPr>
+        <a:xfrm>
+          <a:off x="0" y="0"/>
+          <a:ext cx="0" cy="0"/>
+          <a:chOff x="0" y="0"/>
+          <a:chExt cx="0" cy="0"/>
+        </a:xfrm>
+      </p:grpSpPr>
+      <p:sp>
+        <p:nvSpPr>
+          <p:cNvPr id="2" name="Text Box 1"/>
+          <p:cNvSpPr txBox="1"/>
+          <p:nvPr/>
+        </p:nvSpPr>
+        <p:spPr>
+          <a:xfrm>
+            <a:off x="1777365" y="150495"/>
+            <a:ext cx="5520690" cy="675640"/>
+          </a:xfrm>
+          <a:prstGeom prst="rect">
+            <a:avLst/>
+          </a:prstGeom>
+          <a:noFill/>
+        </p:spPr>
+        <p:txBody>
+          <a:bodyPr wrap="none" rtlCol="0">
+            <a:spAutoFit/>
+          </a:bodyPr>
+          <a:p>
+            <a:r>
+              <a:rPr lang="es-ES" altLang="en-US" sz="3800" b="1"/>
+              <a:t>DIV models benchmark</a:t>
+            </a:r>
+            <a:endParaRPr lang="es-ES" altLang="en-US" sz="3800" b="1"/>
+          </a:p>
+        </p:txBody>
+      </p:sp>
+      <p:pic>
+        <p:nvPicPr>
+          <p:cNvPr id="8" name="Content Placeholder 7" descr="logo,9"/>
+          <p:cNvPicPr>
+            <a:picLocks noChangeAspect="1"/>
+          </p:cNvPicPr>
+          <p:nvPr>
+            <p:ph idx="1"/>
+          </p:nvPr>
+        </p:nvPicPr>
+        <p:blipFill>
+          <a:blip r:embed="rId1"/>
+          <a:stretch>
+            <a:fillRect/>
+          </a:stretch>
+        </p:blipFill>
+        <p:spPr>
+          <a:xfrm>
+            <a:off x="0" y="0"/>
+            <a:ext cx="1639570" cy="646430"/>
+          </a:xfrm>
+          <a:prstGeom prst="rect">
+            <a:avLst/>
+          </a:prstGeom>
+        </p:spPr>
+      </p:pic>
+      <p:sp>
+        <p:nvSpPr>
+          <p:cNvPr id="3" name="Slide Number Placeholder 2"/>
+          <p:cNvSpPr>
+            <a:spLocks noGrp="1"/>
+          </p:cNvSpPr>
+          <p:nvPr>
+            <p:ph type="sldNum" sz="quarter" idx="12"/>
+          </p:nvPr>
+        </p:nvSpPr>
+        <p:spPr/>
+        <p:txBody>
+          <a:bodyPr/>
+          <a:p>
+            <a:fld id="{10B83142-66C5-4CA8-989E-3C5ACDE17E0A}" type="slidenum">
+              <a:rPr lang="ca-ES" smtClean="0"/>
+            </a:fld>
+            <a:endParaRPr lang="ca-ES"/>
+          </a:p>
+        </p:txBody>
+      </p:sp>
+      <p:graphicFrame>
+        <p:nvGraphicFramePr>
+          <p:cNvPr id="14" name="Object 13"/>
+          <p:cNvGraphicFramePr>
+            <a:graphicFrameLocks noChangeAspect="1"/>
+          </p:cNvGraphicFramePr>
+          <p:nvPr/>
+        </p:nvGraphicFramePr>
+        <p:xfrm>
+          <a:off x="1777365" y="1052830"/>
+          <a:ext cx="8190398" cy="4464000"/>
+        </p:xfrm>
+        <a:graphic>
+          <a:graphicData uri="http://schemas.openxmlformats.org/presentationml/2006/ole">
+            <mc:AlternateContent xmlns:mc="http://schemas.openxmlformats.org/markup-compatibility/2006">
+              <mc:Choice xmlns:v="urn:schemas-microsoft-com:vml" Requires="v">
+                <p:oleObj spid="_x0000_s15" name="" r:id="rId2" imgW="5276850" imgH="2876550" progId="Paint.Picture">
+                  <p:embed/>
+                </p:oleObj>
+              </mc:Choice>
+              <mc:Fallback>
+                <p:oleObj name="" r:id="rId2" imgW="5276850" imgH="2876550" progId="Paint.Picture">
+                  <p:embed/>
+                  <p:pic>
+                    <p:nvPicPr>
+                      <p:cNvPr id="0" name="Picture 14"/>
+                      <p:cNvPicPr/>
+                      <p:nvPr/>
+                    </p:nvPicPr>
+                    <p:blipFill>
+                      <a:blip r:embed="rId3"/>
+                      <a:stretch>
+                        <a:fillRect/>
+                      </a:stretch>
+                    </p:blipFill>
+                    <p:spPr>
+                      <a:xfrm>
+                        <a:off x="1777365" y="1052830"/>
+                        <a:ext cx="8190398" cy="4464000"/>
+                      </a:xfrm>
+                      <a:prstGeom prst="rect">
+                        <a:avLst/>
+                      </a:prstGeom>
+                    </p:spPr>
+                  </p:pic>
+                </p:oleObj>
+              </mc:Fallback>
+            </mc:AlternateContent>
+          </a:graphicData>
+        </a:graphic>
+      </p:graphicFrame>
+      <p:graphicFrame>
+        <p:nvGraphicFramePr>
+          <p:cNvPr id="21" name="Object 20"/>
+          <p:cNvGraphicFramePr>
+            <a:graphicFrameLocks noChangeAspect="1"/>
+          </p:cNvGraphicFramePr>
+          <p:nvPr/>
+        </p:nvGraphicFramePr>
+        <p:xfrm>
+          <a:off x="2635250" y="5516880"/>
+          <a:ext cx="6920792" cy="1044000"/>
+        </p:xfrm>
+        <a:graphic>
+          <a:graphicData uri="http://schemas.openxmlformats.org/presentationml/2006/ole">
+            <mc:AlternateContent xmlns:mc="http://schemas.openxmlformats.org/markup-compatibility/2006">
+              <mc:Choice xmlns:v="urn:schemas-microsoft-com:vml" Requires="v">
+                <p:oleObj spid="_x0000_s22" name="" r:id="rId4" imgW="5114925" imgH="771525" progId="Paint.Picture">
+                  <p:embed/>
+                </p:oleObj>
+              </mc:Choice>
+              <mc:Fallback>
+                <p:oleObj name="" r:id="rId4" imgW="5114925" imgH="771525" progId="Paint.Picture">
+                  <p:embed/>
+                  <p:pic>
+                    <p:nvPicPr>
+                      <p:cNvPr id="0" name="Picture 21"/>
+                      <p:cNvPicPr/>
+                      <p:nvPr/>
+                    </p:nvPicPr>
+                    <p:blipFill>
+                      <a:blip r:embed="rId5"/>
+                      <a:stretch>
+                        <a:fillRect/>
+                      </a:stretch>
+                    </p:blipFill>
+                    <p:spPr>
+                      <a:xfrm>
+                        <a:off x="2635250" y="5516880"/>
+                        <a:ext cx="6920792" cy="1044000"/>
+                      </a:xfrm>
+                      <a:prstGeom prst="rect">
+                        <a:avLst/>
+                      </a:prstGeom>
+                    </p:spPr>
+                  </p:pic>
+                </p:oleObj>
+              </mc:Fallback>
+            </mc:AlternateContent>
+          </a:graphicData>
+        </a:graphic>
+      </p:graphicFrame>
+    </p:spTree>
+  </p:cSld>
+  <p:clrMapOvr>
+    <a:masterClrMapping/>
+  </p:clrMapOvr>
+</p:sld>
+</file>
+
+<file path=ppt/slides/slide37.xml><?xml version="1.0" encoding="utf-8"?>
+<p:sld xmlns:a="http://schemas.openxmlformats.org/drawingml/2006/main" xmlns:r="http://schemas.openxmlformats.org/officeDocument/2006/relationships" xmlns:p="http://schemas.openxmlformats.org/presentationml/2006/main">
+  <p:cSld>
+    <p:spTree>
+      <p:nvGrpSpPr>
+        <p:cNvPr id="1" name=""/>
+        <p:cNvGrpSpPr/>
+        <p:nvPr/>
+      </p:nvGrpSpPr>
+      <p:grpSpPr>
+        <a:xfrm>
+          <a:off x="0" y="0"/>
+          <a:ext cx="0" cy="0"/>
+          <a:chOff x="0" y="0"/>
+          <a:chExt cx="0" cy="0"/>
+        </a:xfrm>
+      </p:grpSpPr>
+      <p:sp>
+        <p:nvSpPr>
+          <p:cNvPr id="2" name="Text Box 1"/>
+          <p:cNvSpPr txBox="1"/>
+          <p:nvPr/>
+        </p:nvSpPr>
+        <p:spPr>
+          <a:xfrm>
+            <a:off x="1777365" y="150495"/>
+            <a:ext cx="3856355" cy="675640"/>
+          </a:xfrm>
+          <a:prstGeom prst="rect">
+            <a:avLst/>
+          </a:prstGeom>
+          <a:noFill/>
+        </p:spPr>
+        <p:txBody>
+          <a:bodyPr wrap="none" rtlCol="0">
+            <a:spAutoFit/>
+          </a:bodyPr>
+          <a:p>
+            <a:r>
+              <a:rPr lang="es-ES" altLang="en-US" sz="3800" b="1"/>
+              <a:t>MULDIV models</a:t>
+            </a:r>
+            <a:endParaRPr lang="es-ES" altLang="en-US" sz="3800" b="1"/>
+          </a:p>
+        </p:txBody>
+      </p:sp>
+      <p:sp>
+        <p:nvSpPr>
+          <p:cNvPr id="3" name="Slide Number Placeholder 2"/>
+          <p:cNvSpPr>
+            <a:spLocks noGrp="1"/>
+          </p:cNvSpPr>
+          <p:nvPr>
+            <p:ph type="sldNum" sz="quarter" idx="12"/>
+          </p:nvPr>
+        </p:nvSpPr>
+        <p:spPr/>
+        <p:txBody>
+          <a:bodyPr/>
+          <a:p>
+            <a:fld id="{10B83142-66C5-4CA8-989E-3C5ACDE17E0A}" type="slidenum">
+              <a:rPr lang="ca-ES" smtClean="0"/>
+            </a:fld>
+            <a:endParaRPr lang="ca-ES"/>
+          </a:p>
+        </p:txBody>
+      </p:sp>
+      <p:pic>
+        <p:nvPicPr>
+          <p:cNvPr id="11" name="Content Placeholder 10" descr="logo,9"/>
+          <p:cNvPicPr>
+            <a:picLocks noChangeAspect="1"/>
+          </p:cNvPicPr>
+          <p:nvPr>
+            <p:ph idx="1"/>
+          </p:nvPr>
+        </p:nvPicPr>
+        <p:blipFill>
+          <a:blip r:embed="rId2"/>
+          <a:stretch>
+            <a:fillRect/>
+          </a:stretch>
+        </p:blipFill>
+        <p:spPr>
+          <a:xfrm>
+            <a:off x="0" y="0"/>
+            <a:ext cx="1639570" cy="646430"/>
+          </a:xfrm>
+          <a:prstGeom prst="rect">
+            <a:avLst/>
+          </a:prstGeom>
+        </p:spPr>
+      </p:pic>
+      <p:graphicFrame>
+        <p:nvGraphicFramePr>
+          <p:cNvPr id="12" name="Object 11"/>
+          <p:cNvGraphicFramePr>
+            <a:graphicFrameLocks noChangeAspect="1"/>
+          </p:cNvGraphicFramePr>
+          <p:nvPr/>
+        </p:nvGraphicFramePr>
+        <p:xfrm>
+          <a:off x="3263265" y="4777740"/>
+          <a:ext cx="5664572" cy="1944000"/>
+        </p:xfrm>
+        <a:graphic>
+          <a:graphicData uri="http://schemas.openxmlformats.org/presentationml/2006/ole">
+            <mc:AlternateContent xmlns:mc="http://schemas.openxmlformats.org/markup-compatibility/2006">
+              <mc:Choice xmlns:v="urn:schemas-microsoft-com:vml" Requires="v">
+                <p:oleObj spid="_x0000_s13" name="" r:id="rId3" imgW="8715375" imgH="2990850" progId="Paint.Picture">
+                  <p:embed/>
+                </p:oleObj>
+              </mc:Choice>
+              <mc:Fallback>
+                <p:oleObj name="" r:id="rId3" imgW="8715375" imgH="2990850" progId="Paint.Picture">
+                  <p:embed/>
+                  <p:pic>
+                    <p:nvPicPr>
+                      <p:cNvPr id="0" name="Picture 12"/>
+                      <p:cNvPicPr/>
+                      <p:nvPr/>
+                    </p:nvPicPr>
+                    <p:blipFill>
+                      <a:blip r:embed="rId4"/>
+                      <a:stretch>
+                        <a:fillRect/>
+                      </a:stretch>
+                    </p:blipFill>
+                    <p:spPr>
+                      <a:xfrm>
+                        <a:off x="3263265" y="4777740"/>
+                        <a:ext cx="5664572" cy="1944000"/>
+                      </a:xfrm>
+                      <a:prstGeom prst="rect">
+                        <a:avLst/>
+                      </a:prstGeom>
+                    </p:spPr>
+                  </p:pic>
+                </p:oleObj>
+              </mc:Fallback>
+            </mc:AlternateContent>
+          </a:graphicData>
+        </a:graphic>
+      </p:graphicFrame>
+      <p:graphicFrame>
+        <p:nvGraphicFramePr>
+          <p:cNvPr id="19" name="Chart 18"/>
+          <p:cNvGraphicFramePr/>
+          <p:nvPr/>
+        </p:nvGraphicFramePr>
+        <p:xfrm>
+          <a:off x="2494915" y="956310"/>
+          <a:ext cx="7202805" cy="3690620"/>
+        </p:xfrm>
+        <a:graphic>
+          <a:graphicData uri="http://schemas.openxmlformats.org/drawingml/2006/chart">
+            <c:chart xmlns:c="http://schemas.openxmlformats.org/drawingml/2006/chart" xmlns:r="http://schemas.openxmlformats.org/officeDocument/2006/relationships" r:id="rId1"/>
+          </a:graphicData>
+        </a:graphic>
+      </p:graphicFrame>
+    </p:spTree>
+  </p:cSld>
+  <p:clrMapOvr>
+    <a:masterClrMapping/>
+  </p:clrMapOvr>
+</p:sld>
+</file>
+
 <file path=ppt/slides/slide4.xml><?xml version="1.0" encoding="utf-8"?>
 <p:sld xmlns:a="http://schemas.openxmlformats.org/drawingml/2006/main" xmlns:r="http://schemas.openxmlformats.org/officeDocument/2006/relationships" xmlns:p="http://schemas.openxmlformats.org/presentationml/2006/main">
   <p:cSld>
@@ -33074,24 +35234,6 @@
       </p:grpSpPr>
       <p:sp>
         <p:nvSpPr>
-          <p:cNvPr id="9" name="Title 8"/>
-          <p:cNvSpPr>
-            <a:spLocks noGrp="1"/>
-          </p:cNvSpPr>
-          <p:nvPr>
-            <p:ph type="title"/>
-          </p:nvPr>
-        </p:nvSpPr>
-        <p:spPr/>
-        <p:txBody>
-          <a:bodyPr/>
-          <a:p>
-            <a:endParaRPr lang="en-US"/>
-          </a:p>
-        </p:txBody>
-      </p:sp>
-      <p:sp>
-        <p:nvSpPr>
           <p:cNvPr id="2" name="Text Box 1"/>
           <p:cNvSpPr txBox="1"/>
           <p:nvPr/>
@@ -33424,7 +35566,7 @@
         <p:spPr>
           <a:xfrm>
             <a:off x="1777365" y="150495"/>
-            <a:ext cx="3213735" cy="675640"/>
+            <a:ext cx="4314190" cy="675640"/>
           </a:xfrm>
           <a:prstGeom prst="rect">
             <a:avLst/>
@@ -33439,7 +35581,7 @@
             <a:pPr algn="l"/>
             <a:r>
               <a:rPr lang="es-ES" altLang="en-US" sz="3800" b="1"/>
-              <a:t>Project goals</a:t>
+              <a:t>Project objectives</a:t>
             </a:r>
             <a:endParaRPr lang="es-ES" altLang="en-US" sz="3800" b="1"/>
           </a:p>
